--- a/project1_presentation.pptx
+++ b/project1_presentation.pptx
@@ -109,6 +109,11 @@
       </a:defRPr>
     </a:lvl9pPr>
   </p:defaultTextStyle>
+  <p:extLst>
+    <p:ext uri="{EFAFB233-063F-42B5-8137-9DF3F51BA10A}">
+      <p15:sldGuideLst xmlns:p15="http://schemas.microsoft.com/office/powerpoint/2012/main"/>
+    </p:ext>
+  </p:extLst>
 </p:presentation>
 </file>
 
@@ -5617,7 +5622,7 @@
                   </a:schemeClr>
                 </a:solidFill>
               </a:rPr>
-              <a:t>Lou</a:t>
+              <a:t>Lou Canjar</a:t>
             </a:r>
           </a:p>
           <a:p>
@@ -5745,7 +5750,7 @@
             <a:pPr lvl="1"/>
             <a:r>
               <a:rPr lang="en-US" dirty="0"/>
-              <a:t>Does the percentage of respondents in treatment vary by total population, remote workers and self-employed?</a:t>
+              <a:t>How does the percentage of respondents in treatment vary by total survey population, remote workers and self-employed workers?</a:t>
             </a:r>
           </a:p>
           <a:p>
@@ -5923,8 +5928,8 @@
         </p:blipFill>
         <p:spPr bwMode="auto">
           <a:xfrm>
-            <a:off x="887962" y="557783"/>
-            <a:ext cx="5494550" cy="5952745"/>
+            <a:off x="108574" y="66830"/>
+            <a:ext cx="6169310" cy="6683774"/>
           </a:xfrm>
           <a:prstGeom prst="rect">
             <a:avLst/>
@@ -5955,13 +5960,15 @@
         </p:nvSpPr>
         <p:spPr>
           <a:xfrm>
-            <a:off x="7132320" y="1801368"/>
-            <a:ext cx="4471416" cy="2862322"/>
+            <a:off x="6886843" y="334645"/>
+            <a:ext cx="5018768" cy="5170646"/>
           </a:xfrm>
           <a:prstGeom prst="rect">
             <a:avLst/>
           </a:prstGeom>
-          <a:noFill/>
+          <a:solidFill>
+            <a:schemeClr val="bg2"/>
+          </a:solidFill>
         </p:spPr>
         <p:txBody>
           <a:bodyPr wrap="square" rtlCol="0">
@@ -5970,21 +5977,111 @@
           <a:lstStyle/>
           <a:p>
             <a:r>
-              <a:rPr lang="en-US" b="1" i="1" dirty="0"/>
-              <a:t>Does % of respondents in treatment vary by total population, remote workers and self-employed?  </a:t>
+              <a:rPr lang="en-US" sz="2000" b="1" i="1" dirty="0"/>
+              <a:t>How does % of respondents in treatment vary by total population, remote workers and self-employed?  </a:t>
             </a:r>
           </a:p>
           <a:p>
             <a:endParaRPr lang="en-US" dirty="0"/>
           </a:p>
           <a:p>
+            <a:pPr marL="342900" indent="-342900">
+              <a:buAutoNum type="arabicParenR"/>
+            </a:pPr>
+            <a:endParaRPr lang="en-US" dirty="0"/>
+          </a:p>
+          <a:p>
+            <a:pPr marL="342900" indent="-342900">
+              <a:buAutoNum type="arabicParenR"/>
+            </a:pPr>
             <a:r>
               <a:rPr lang="en-US" dirty="0"/>
-              <a:t>While now clear indication of causation / correlation, it does imply that remote workers and those self-employed tend to either be less predisposed to counseling or less in need of counseling</a:t>
-            </a:r>
-          </a:p>
-        </p:txBody>
-      </p:sp>
+              <a:t>A negligible correlation with treatment:</a:t>
+            </a:r>
+          </a:p>
+          <a:p>
+            <a:pPr marL="800100" lvl="1" indent="-342900">
+              <a:buFont typeface="Arial" panose="020B0604020202020204" pitchFamily="34" charset="0"/>
+              <a:buChar char="•"/>
+            </a:pPr>
+            <a:r>
+              <a:rPr lang="en-US" dirty="0"/>
+              <a:t>Self-employment @ .021</a:t>
+            </a:r>
+          </a:p>
+          <a:p>
+            <a:pPr marL="800100" lvl="1" indent="-342900">
+              <a:buFont typeface="Arial" panose="020B0604020202020204" pitchFamily="34" charset="0"/>
+              <a:buChar char="•"/>
+            </a:pPr>
+            <a:r>
+              <a:rPr lang="en-US" dirty="0"/>
+              <a:t>Remote @ .027</a:t>
+            </a:r>
+          </a:p>
+          <a:p>
+            <a:endParaRPr lang="en-US" dirty="0"/>
+          </a:p>
+          <a:p>
+            <a:r>
+              <a:rPr lang="en-US" dirty="0"/>
+              <a:t>2) That said, it was worth understanding the variance between total population, self employed population, and remote workers</a:t>
+            </a:r>
+          </a:p>
+          <a:p>
+            <a:endParaRPr lang="en-US" dirty="0"/>
+          </a:p>
+          <a:p>
+            <a:r>
+              <a:rPr lang="en-US" dirty="0"/>
+              <a:t>3) Although no causation / correlation, it does infer that remote workers and those self-employed tend to either be less predisposed to counseling or less in need of counseling3</a:t>
+            </a:r>
+          </a:p>
+        </p:txBody>
+      </p:sp>
+      <p:cxnSp>
+        <p:nvCxnSpPr>
+          <p:cNvPr id="3" name="Straight Connector 2">
+            <a:extLst>
+              <a:ext uri="{FF2B5EF4-FFF2-40B4-BE49-F238E27FC236}">
+                <a16:creationId xmlns:a16="http://schemas.microsoft.com/office/drawing/2014/main" id="{F7348554-C00D-CFD5-5F14-854B82919932}"/>
+              </a:ext>
+            </a:extLst>
+          </p:cNvPr>
+          <p:cNvCxnSpPr/>
+          <p:nvPr/>
+        </p:nvCxnSpPr>
+        <p:spPr>
+          <a:xfrm>
+            <a:off x="6621729" y="1405353"/>
+            <a:ext cx="5461697" cy="0"/>
+          </a:xfrm>
+          <a:prstGeom prst="line">
+            <a:avLst/>
+          </a:prstGeom>
+          <a:ln w="38100">
+            <a:solidFill>
+              <a:schemeClr val="tx1">
+                <a:alpha val="60000"/>
+              </a:schemeClr>
+            </a:solidFill>
+          </a:ln>
+        </p:spPr>
+        <p:style>
+          <a:lnRef idx="1">
+            <a:schemeClr val="accent1"/>
+          </a:lnRef>
+          <a:fillRef idx="0">
+            <a:schemeClr val="accent1"/>
+          </a:fillRef>
+          <a:effectRef idx="0">
+            <a:schemeClr val="accent1"/>
+          </a:effectRef>
+          <a:fontRef idx="minor">
+            <a:schemeClr val="tx1"/>
+          </a:fontRef>
+        </p:style>
+      </p:cxnSp>
     </p:spTree>
     <p:extLst>
       <p:ext uri="{BB962C8B-B14F-4D97-AF65-F5344CB8AC3E}">

--- a/project1_presentation.pptx
+++ b/project1_presentation.pptx
@@ -6034,8 +6034,13 @@
           <a:p>
             <a:r>
               <a:rPr lang="en-US" dirty="0"/>
-              <a:t>3) Although no causation / correlation, it does infer that remote workers and those self-employed tend to either be less predisposed to counseling or less in need of counseling3</a:t>
-            </a:r>
+              <a:t>3) Although no causation / correlation, it does infer that remote workers and those self-employed tend to either be less predisposed to counseling or less in need </a:t>
+            </a:r>
+            <a:r>
+              <a:rPr lang="en-US"/>
+              <a:t>of counseling</a:t>
+            </a:r>
+            <a:endParaRPr lang="en-US" dirty="0"/>
           </a:p>
         </p:txBody>
       </p:sp>
